--- a/ppt 16-9/0464.太阳月亮.pptx
+++ b/ppt 16-9/0464.太阳月亮.pptx
@@ -5,7 +5,7 @@
     <p:sldMasterId id="2147483648" r:id="rId1"/>
   </p:sldMasterIdLst>
   <p:sldIdLst>
-    <p:sldId id="2962" r:id="rId2"/>
+    <p:sldId id="2963" r:id="rId2"/>
   </p:sldIdLst>
   <p:sldSz cx="12192000" cy="6858000"/>
   <p:notesSz cx="6858000" cy="9144000"/>
@@ -129,7 +129,7 @@
           <p:cNvPr id="2" name="标题 1">
             <a:extLst>
               <a:ext uri="{FF2B5EF4-FFF2-40B4-BE49-F238E27FC236}">
-                <a16:creationId xmlns:a16="http://schemas.microsoft.com/office/drawing/2014/main" id="{0F95AAD1-F900-9E85-CF34-8F10C3965409}"/>
+                <a16:creationId xmlns:a16="http://schemas.microsoft.com/office/drawing/2014/main" id="{CB7C70CB-2CA8-3A66-489D-648291705F42}"/>
               </a:ext>
             </a:extLst>
           </p:cNvPr>
@@ -166,7 +166,7 @@
           <p:cNvPr id="3" name="副标题 2">
             <a:extLst>
               <a:ext uri="{FF2B5EF4-FFF2-40B4-BE49-F238E27FC236}">
-                <a16:creationId xmlns:a16="http://schemas.microsoft.com/office/drawing/2014/main" id="{61AC799D-915E-CA19-D550-C75A624FBF40}"/>
+                <a16:creationId xmlns:a16="http://schemas.microsoft.com/office/drawing/2014/main" id="{95C30C79-8B26-4CE0-3CD3-5DDA7B60DBD9}"/>
               </a:ext>
             </a:extLst>
           </p:cNvPr>
@@ -236,7 +236,7 @@
           <p:cNvPr id="4" name="日期占位符 3">
             <a:extLst>
               <a:ext uri="{FF2B5EF4-FFF2-40B4-BE49-F238E27FC236}">
-                <a16:creationId xmlns:a16="http://schemas.microsoft.com/office/drawing/2014/main" id="{DA75F8C0-4844-4FC1-742E-1333694B1916}"/>
+                <a16:creationId xmlns:a16="http://schemas.microsoft.com/office/drawing/2014/main" id="{FCE66BDC-F5C9-FAF2-34A7-E159FB1F1ED1}"/>
               </a:ext>
             </a:extLst>
           </p:cNvPr>
@@ -252,7 +252,7 @@
           <a:bodyPr/>
           <a:lstStyle/>
           <a:p>
-            <a:fld id="{E30BF927-0A75-4616-90B3-18E7F87624CF}" type="datetimeFigureOut">
+            <a:fld id="{C1FD6967-4B80-4287-AC90-A3C4E70DB4BE}" type="datetimeFigureOut">
               <a:rPr lang="zh-CN" altLang="en-US" smtClean="0"/>
               <a:t>2024/3/10</a:t>
             </a:fld>
@@ -265,7 +265,7 @@
           <p:cNvPr id="5" name="页脚占位符 4">
             <a:extLst>
               <a:ext uri="{FF2B5EF4-FFF2-40B4-BE49-F238E27FC236}">
-                <a16:creationId xmlns:a16="http://schemas.microsoft.com/office/drawing/2014/main" id="{E5EF1991-9C7E-B980-3242-A549CEFCE6B6}"/>
+                <a16:creationId xmlns:a16="http://schemas.microsoft.com/office/drawing/2014/main" id="{21A264B6-48AE-93CD-5FED-A58EE391B22B}"/>
               </a:ext>
             </a:extLst>
           </p:cNvPr>
@@ -290,7 +290,7 @@
           <p:cNvPr id="6" name="灯片编号占位符 5">
             <a:extLst>
               <a:ext uri="{FF2B5EF4-FFF2-40B4-BE49-F238E27FC236}">
-                <a16:creationId xmlns:a16="http://schemas.microsoft.com/office/drawing/2014/main" id="{FB3D55FD-83BD-899B-4FB5-8D177123B8F9}"/>
+                <a16:creationId xmlns:a16="http://schemas.microsoft.com/office/drawing/2014/main" id="{D49C96BC-BFBA-7A7D-39B5-16AD845A2B06}"/>
               </a:ext>
             </a:extLst>
           </p:cNvPr>
@@ -306,7 +306,7 @@
           <a:bodyPr/>
           <a:lstStyle/>
           <a:p>
-            <a:fld id="{42AF8E6A-851C-4B1B-9362-2B6875B7F4D1}" type="slidenum">
+            <a:fld id="{E29D83EC-B68E-4A04-BD6A-82F3C6D17D5E}" type="slidenum">
               <a:rPr lang="zh-CN" altLang="en-US" smtClean="0"/>
               <a:t>‹#›</a:t>
             </a:fld>
@@ -317,7 +317,7 @@
     </p:spTree>
     <p:extLst>
       <p:ext uri="{BB962C8B-B14F-4D97-AF65-F5344CB8AC3E}">
-        <p14:creationId xmlns:p14="http://schemas.microsoft.com/office/powerpoint/2010/main" val="211100822"/>
+        <p14:creationId xmlns:p14="http://schemas.microsoft.com/office/powerpoint/2010/main" val="1089182274"/>
       </p:ext>
     </p:extLst>
   </p:cSld>
@@ -349,7 +349,7 @@
           <p:cNvPr id="2" name="标题 1">
             <a:extLst>
               <a:ext uri="{FF2B5EF4-FFF2-40B4-BE49-F238E27FC236}">
-                <a16:creationId xmlns:a16="http://schemas.microsoft.com/office/drawing/2014/main" id="{29F22484-2FC1-046E-5848-CE391F1701C9}"/>
+                <a16:creationId xmlns:a16="http://schemas.microsoft.com/office/drawing/2014/main" id="{0C35D5AF-BB11-DAD7-8A78-576797260157}"/>
               </a:ext>
             </a:extLst>
           </p:cNvPr>
@@ -377,7 +377,7 @@
           <p:cNvPr id="3" name="竖排文字占位符 2">
             <a:extLst>
               <a:ext uri="{FF2B5EF4-FFF2-40B4-BE49-F238E27FC236}">
-                <a16:creationId xmlns:a16="http://schemas.microsoft.com/office/drawing/2014/main" id="{19F3BEAD-53B1-C900-A7E7-D7AB62563B10}"/>
+                <a16:creationId xmlns:a16="http://schemas.microsoft.com/office/drawing/2014/main" id="{EE85E6AB-7343-6378-9C4E-D49A35BAA892}"/>
               </a:ext>
             </a:extLst>
           </p:cNvPr>
@@ -434,7 +434,7 @@
           <p:cNvPr id="4" name="日期占位符 3">
             <a:extLst>
               <a:ext uri="{FF2B5EF4-FFF2-40B4-BE49-F238E27FC236}">
-                <a16:creationId xmlns:a16="http://schemas.microsoft.com/office/drawing/2014/main" id="{A33E9CC8-2AD9-173A-B273-583A60F7590A}"/>
+                <a16:creationId xmlns:a16="http://schemas.microsoft.com/office/drawing/2014/main" id="{32E88187-963A-5FF3-A253-4DD21E15D17E}"/>
               </a:ext>
             </a:extLst>
           </p:cNvPr>
@@ -450,7 +450,7 @@
           <a:bodyPr/>
           <a:lstStyle/>
           <a:p>
-            <a:fld id="{E30BF927-0A75-4616-90B3-18E7F87624CF}" type="datetimeFigureOut">
+            <a:fld id="{C1FD6967-4B80-4287-AC90-A3C4E70DB4BE}" type="datetimeFigureOut">
               <a:rPr lang="zh-CN" altLang="en-US" smtClean="0"/>
               <a:t>2024/3/10</a:t>
             </a:fld>
@@ -463,7 +463,7 @@
           <p:cNvPr id="5" name="页脚占位符 4">
             <a:extLst>
               <a:ext uri="{FF2B5EF4-FFF2-40B4-BE49-F238E27FC236}">
-                <a16:creationId xmlns:a16="http://schemas.microsoft.com/office/drawing/2014/main" id="{8FD6C059-B9E1-758B-AB14-CDD1F891A47D}"/>
+                <a16:creationId xmlns:a16="http://schemas.microsoft.com/office/drawing/2014/main" id="{ED3B1FE3-756D-25A6-5BA3-4C0638786647}"/>
               </a:ext>
             </a:extLst>
           </p:cNvPr>
@@ -488,7 +488,7 @@
           <p:cNvPr id="6" name="灯片编号占位符 5">
             <a:extLst>
               <a:ext uri="{FF2B5EF4-FFF2-40B4-BE49-F238E27FC236}">
-                <a16:creationId xmlns:a16="http://schemas.microsoft.com/office/drawing/2014/main" id="{622FE778-E146-2B06-15EF-98E7C9D7A5F5}"/>
+                <a16:creationId xmlns:a16="http://schemas.microsoft.com/office/drawing/2014/main" id="{7FE4DDAE-6CE9-5AD0-0406-0F06CEFD68AC}"/>
               </a:ext>
             </a:extLst>
           </p:cNvPr>
@@ -504,7 +504,7 @@
           <a:bodyPr/>
           <a:lstStyle/>
           <a:p>
-            <a:fld id="{42AF8E6A-851C-4B1B-9362-2B6875B7F4D1}" type="slidenum">
+            <a:fld id="{E29D83EC-B68E-4A04-BD6A-82F3C6D17D5E}" type="slidenum">
               <a:rPr lang="zh-CN" altLang="en-US" smtClean="0"/>
               <a:t>‹#›</a:t>
             </a:fld>
@@ -515,7 +515,7 @@
     </p:spTree>
     <p:extLst>
       <p:ext uri="{BB962C8B-B14F-4D97-AF65-F5344CB8AC3E}">
-        <p14:creationId xmlns:p14="http://schemas.microsoft.com/office/powerpoint/2010/main" val="1314813129"/>
+        <p14:creationId xmlns:p14="http://schemas.microsoft.com/office/powerpoint/2010/main" val="3547081766"/>
       </p:ext>
     </p:extLst>
   </p:cSld>
@@ -547,7 +547,7 @@
           <p:cNvPr id="2" name="竖排标题 1">
             <a:extLst>
               <a:ext uri="{FF2B5EF4-FFF2-40B4-BE49-F238E27FC236}">
-                <a16:creationId xmlns:a16="http://schemas.microsoft.com/office/drawing/2014/main" id="{FC7B94E9-58A3-33A1-609C-4DB6A446BC19}"/>
+                <a16:creationId xmlns:a16="http://schemas.microsoft.com/office/drawing/2014/main" id="{95328F17-61F8-B34B-3801-35AD00F10788}"/>
               </a:ext>
             </a:extLst>
           </p:cNvPr>
@@ -580,7 +580,7 @@
           <p:cNvPr id="3" name="竖排文字占位符 2">
             <a:extLst>
               <a:ext uri="{FF2B5EF4-FFF2-40B4-BE49-F238E27FC236}">
-                <a16:creationId xmlns:a16="http://schemas.microsoft.com/office/drawing/2014/main" id="{CAB9AD70-2845-E207-66BD-2760AD6B4A63}"/>
+                <a16:creationId xmlns:a16="http://schemas.microsoft.com/office/drawing/2014/main" id="{FDE64DC8-63F2-F0F0-5739-BE9BAB2DD86E}"/>
               </a:ext>
             </a:extLst>
           </p:cNvPr>
@@ -642,7 +642,7 @@
           <p:cNvPr id="4" name="日期占位符 3">
             <a:extLst>
               <a:ext uri="{FF2B5EF4-FFF2-40B4-BE49-F238E27FC236}">
-                <a16:creationId xmlns:a16="http://schemas.microsoft.com/office/drawing/2014/main" id="{622AA53E-1FF1-3819-B473-2435DC41014C}"/>
+                <a16:creationId xmlns:a16="http://schemas.microsoft.com/office/drawing/2014/main" id="{10999177-8C6A-7B40-0C98-81315992C91B}"/>
               </a:ext>
             </a:extLst>
           </p:cNvPr>
@@ -658,7 +658,7 @@
           <a:bodyPr/>
           <a:lstStyle/>
           <a:p>
-            <a:fld id="{E30BF927-0A75-4616-90B3-18E7F87624CF}" type="datetimeFigureOut">
+            <a:fld id="{C1FD6967-4B80-4287-AC90-A3C4E70DB4BE}" type="datetimeFigureOut">
               <a:rPr lang="zh-CN" altLang="en-US" smtClean="0"/>
               <a:t>2024/3/10</a:t>
             </a:fld>
@@ -671,7 +671,7 @@
           <p:cNvPr id="5" name="页脚占位符 4">
             <a:extLst>
               <a:ext uri="{FF2B5EF4-FFF2-40B4-BE49-F238E27FC236}">
-                <a16:creationId xmlns:a16="http://schemas.microsoft.com/office/drawing/2014/main" id="{1E638860-2E22-E188-FCA2-34555A65AC2D}"/>
+                <a16:creationId xmlns:a16="http://schemas.microsoft.com/office/drawing/2014/main" id="{2FA83370-71E3-C5B0-F9D7-412B223B393D}"/>
               </a:ext>
             </a:extLst>
           </p:cNvPr>
@@ -696,7 +696,7 @@
           <p:cNvPr id="6" name="灯片编号占位符 5">
             <a:extLst>
               <a:ext uri="{FF2B5EF4-FFF2-40B4-BE49-F238E27FC236}">
-                <a16:creationId xmlns:a16="http://schemas.microsoft.com/office/drawing/2014/main" id="{30F1F82F-107A-5CDF-6424-3DEF28BE6279}"/>
+                <a16:creationId xmlns:a16="http://schemas.microsoft.com/office/drawing/2014/main" id="{7785C1A5-22EF-367C-6897-657BA57BB9BA}"/>
               </a:ext>
             </a:extLst>
           </p:cNvPr>
@@ -712,7 +712,7 @@
           <a:bodyPr/>
           <a:lstStyle/>
           <a:p>
-            <a:fld id="{42AF8E6A-851C-4B1B-9362-2B6875B7F4D1}" type="slidenum">
+            <a:fld id="{E29D83EC-B68E-4A04-BD6A-82F3C6D17D5E}" type="slidenum">
               <a:rPr lang="zh-CN" altLang="en-US" smtClean="0"/>
               <a:t>‹#›</a:t>
             </a:fld>
@@ -723,7 +723,7 @@
     </p:spTree>
     <p:extLst>
       <p:ext uri="{BB962C8B-B14F-4D97-AF65-F5344CB8AC3E}">
-        <p14:creationId xmlns:p14="http://schemas.microsoft.com/office/powerpoint/2010/main" val="1913032918"/>
+        <p14:creationId xmlns:p14="http://schemas.microsoft.com/office/powerpoint/2010/main" val="1578232771"/>
       </p:ext>
     </p:extLst>
   </p:cSld>
@@ -755,7 +755,7 @@
           <p:cNvPr id="2" name="标题 1">
             <a:extLst>
               <a:ext uri="{FF2B5EF4-FFF2-40B4-BE49-F238E27FC236}">
-                <a16:creationId xmlns:a16="http://schemas.microsoft.com/office/drawing/2014/main" id="{5C1526B7-4979-9848-7C7C-EDA791459BAD}"/>
+                <a16:creationId xmlns:a16="http://schemas.microsoft.com/office/drawing/2014/main" id="{E13093B2-3A8D-29A8-F5BA-72986971A2F5}"/>
               </a:ext>
             </a:extLst>
           </p:cNvPr>
@@ -783,7 +783,7 @@
           <p:cNvPr id="3" name="内容占位符 2">
             <a:extLst>
               <a:ext uri="{FF2B5EF4-FFF2-40B4-BE49-F238E27FC236}">
-                <a16:creationId xmlns:a16="http://schemas.microsoft.com/office/drawing/2014/main" id="{C4940FE1-5DDD-7860-ACF3-0E6B3A729ABB}"/>
+                <a16:creationId xmlns:a16="http://schemas.microsoft.com/office/drawing/2014/main" id="{71B6E0CC-0B94-46C4-03D2-A8AB63EFEC4F}"/>
               </a:ext>
             </a:extLst>
           </p:cNvPr>
@@ -840,7 +840,7 @@
           <p:cNvPr id="4" name="日期占位符 3">
             <a:extLst>
               <a:ext uri="{FF2B5EF4-FFF2-40B4-BE49-F238E27FC236}">
-                <a16:creationId xmlns:a16="http://schemas.microsoft.com/office/drawing/2014/main" id="{8C5C3D95-ACFE-6E6A-641F-E2234FC7F9EF}"/>
+                <a16:creationId xmlns:a16="http://schemas.microsoft.com/office/drawing/2014/main" id="{A8FDE177-BB85-6DCD-56D3-83C81925D1DA}"/>
               </a:ext>
             </a:extLst>
           </p:cNvPr>
@@ -856,7 +856,7 @@
           <a:bodyPr/>
           <a:lstStyle/>
           <a:p>
-            <a:fld id="{E30BF927-0A75-4616-90B3-18E7F87624CF}" type="datetimeFigureOut">
+            <a:fld id="{C1FD6967-4B80-4287-AC90-A3C4E70DB4BE}" type="datetimeFigureOut">
               <a:rPr lang="zh-CN" altLang="en-US" smtClean="0"/>
               <a:t>2024/3/10</a:t>
             </a:fld>
@@ -869,7 +869,7 @@
           <p:cNvPr id="5" name="页脚占位符 4">
             <a:extLst>
               <a:ext uri="{FF2B5EF4-FFF2-40B4-BE49-F238E27FC236}">
-                <a16:creationId xmlns:a16="http://schemas.microsoft.com/office/drawing/2014/main" id="{1C589E2D-C725-6B30-D1CE-F68FB666E094}"/>
+                <a16:creationId xmlns:a16="http://schemas.microsoft.com/office/drawing/2014/main" id="{BC4B9CD0-0FFB-033A-FD70-3546A8ADD2FA}"/>
               </a:ext>
             </a:extLst>
           </p:cNvPr>
@@ -894,7 +894,7 @@
           <p:cNvPr id="6" name="灯片编号占位符 5">
             <a:extLst>
               <a:ext uri="{FF2B5EF4-FFF2-40B4-BE49-F238E27FC236}">
-                <a16:creationId xmlns:a16="http://schemas.microsoft.com/office/drawing/2014/main" id="{18A674C7-0F8F-C5F5-65EA-5C474C956EB3}"/>
+                <a16:creationId xmlns:a16="http://schemas.microsoft.com/office/drawing/2014/main" id="{6B36DDC6-E4A9-28B5-42AA-5B0855C9FED8}"/>
               </a:ext>
             </a:extLst>
           </p:cNvPr>
@@ -910,7 +910,7 @@
           <a:bodyPr/>
           <a:lstStyle/>
           <a:p>
-            <a:fld id="{42AF8E6A-851C-4B1B-9362-2B6875B7F4D1}" type="slidenum">
+            <a:fld id="{E29D83EC-B68E-4A04-BD6A-82F3C6D17D5E}" type="slidenum">
               <a:rPr lang="zh-CN" altLang="en-US" smtClean="0"/>
               <a:t>‹#›</a:t>
             </a:fld>
@@ -921,7 +921,7 @@
     </p:spTree>
     <p:extLst>
       <p:ext uri="{BB962C8B-B14F-4D97-AF65-F5344CB8AC3E}">
-        <p14:creationId xmlns:p14="http://schemas.microsoft.com/office/powerpoint/2010/main" val="3739132071"/>
+        <p14:creationId xmlns:p14="http://schemas.microsoft.com/office/powerpoint/2010/main" val="1679406649"/>
       </p:ext>
     </p:extLst>
   </p:cSld>
@@ -953,7 +953,7 @@
           <p:cNvPr id="2" name="标题 1">
             <a:extLst>
               <a:ext uri="{FF2B5EF4-FFF2-40B4-BE49-F238E27FC236}">
-                <a16:creationId xmlns:a16="http://schemas.microsoft.com/office/drawing/2014/main" id="{82880A71-857F-AA6B-5EB4-5C25F6E4C38A}"/>
+                <a16:creationId xmlns:a16="http://schemas.microsoft.com/office/drawing/2014/main" id="{31729361-D190-B51B-321A-AF8D51FDB683}"/>
               </a:ext>
             </a:extLst>
           </p:cNvPr>
@@ -990,7 +990,7 @@
           <p:cNvPr id="3" name="文本占位符 2">
             <a:extLst>
               <a:ext uri="{FF2B5EF4-FFF2-40B4-BE49-F238E27FC236}">
-                <a16:creationId xmlns:a16="http://schemas.microsoft.com/office/drawing/2014/main" id="{DC5FBBF1-1649-EB8B-1A94-A0CBDB83C784}"/>
+                <a16:creationId xmlns:a16="http://schemas.microsoft.com/office/drawing/2014/main" id="{6FBAACF4-47D0-D228-8BAD-AE6B8F557124}"/>
               </a:ext>
             </a:extLst>
           </p:cNvPr>
@@ -1115,7 +1115,7 @@
           <p:cNvPr id="4" name="日期占位符 3">
             <a:extLst>
               <a:ext uri="{FF2B5EF4-FFF2-40B4-BE49-F238E27FC236}">
-                <a16:creationId xmlns:a16="http://schemas.microsoft.com/office/drawing/2014/main" id="{62683207-7939-9CF9-EC7E-9899D59424F4}"/>
+                <a16:creationId xmlns:a16="http://schemas.microsoft.com/office/drawing/2014/main" id="{26ABD045-B579-F133-36BF-AC8A2F8A3C70}"/>
               </a:ext>
             </a:extLst>
           </p:cNvPr>
@@ -1131,7 +1131,7 @@
           <a:bodyPr/>
           <a:lstStyle/>
           <a:p>
-            <a:fld id="{E30BF927-0A75-4616-90B3-18E7F87624CF}" type="datetimeFigureOut">
+            <a:fld id="{C1FD6967-4B80-4287-AC90-A3C4E70DB4BE}" type="datetimeFigureOut">
               <a:rPr lang="zh-CN" altLang="en-US" smtClean="0"/>
               <a:t>2024/3/10</a:t>
             </a:fld>
@@ -1144,7 +1144,7 @@
           <p:cNvPr id="5" name="页脚占位符 4">
             <a:extLst>
               <a:ext uri="{FF2B5EF4-FFF2-40B4-BE49-F238E27FC236}">
-                <a16:creationId xmlns:a16="http://schemas.microsoft.com/office/drawing/2014/main" id="{50D89565-E8E9-A23B-8F90-1D1CFC6B213E}"/>
+                <a16:creationId xmlns:a16="http://schemas.microsoft.com/office/drawing/2014/main" id="{5D9E6AC6-1A03-7097-9B77-9B93D13D95E3}"/>
               </a:ext>
             </a:extLst>
           </p:cNvPr>
@@ -1169,7 +1169,7 @@
           <p:cNvPr id="6" name="灯片编号占位符 5">
             <a:extLst>
               <a:ext uri="{FF2B5EF4-FFF2-40B4-BE49-F238E27FC236}">
-                <a16:creationId xmlns:a16="http://schemas.microsoft.com/office/drawing/2014/main" id="{5A835721-EACA-4FA0-E9D5-ED2A677B94E3}"/>
+                <a16:creationId xmlns:a16="http://schemas.microsoft.com/office/drawing/2014/main" id="{95A1D1F0-4005-9439-9B40-88383C58C7CC}"/>
               </a:ext>
             </a:extLst>
           </p:cNvPr>
@@ -1185,7 +1185,7 @@
           <a:bodyPr/>
           <a:lstStyle/>
           <a:p>
-            <a:fld id="{42AF8E6A-851C-4B1B-9362-2B6875B7F4D1}" type="slidenum">
+            <a:fld id="{E29D83EC-B68E-4A04-BD6A-82F3C6D17D5E}" type="slidenum">
               <a:rPr lang="zh-CN" altLang="en-US" smtClean="0"/>
               <a:t>‹#›</a:t>
             </a:fld>
@@ -1196,7 +1196,7 @@
     </p:spTree>
     <p:extLst>
       <p:ext uri="{BB962C8B-B14F-4D97-AF65-F5344CB8AC3E}">
-        <p14:creationId xmlns:p14="http://schemas.microsoft.com/office/powerpoint/2010/main" val="1922267364"/>
+        <p14:creationId xmlns:p14="http://schemas.microsoft.com/office/powerpoint/2010/main" val="3899232865"/>
       </p:ext>
     </p:extLst>
   </p:cSld>
@@ -1228,7 +1228,7 @@
           <p:cNvPr id="2" name="标题 1">
             <a:extLst>
               <a:ext uri="{FF2B5EF4-FFF2-40B4-BE49-F238E27FC236}">
-                <a16:creationId xmlns:a16="http://schemas.microsoft.com/office/drawing/2014/main" id="{C970047E-7FED-15AB-C9E1-A2751C0EF1CA}"/>
+                <a16:creationId xmlns:a16="http://schemas.microsoft.com/office/drawing/2014/main" id="{FE27C1D9-A212-1E04-CDC3-7BE29C0E77DE}"/>
               </a:ext>
             </a:extLst>
           </p:cNvPr>
@@ -1256,7 +1256,7 @@
           <p:cNvPr id="3" name="内容占位符 2">
             <a:extLst>
               <a:ext uri="{FF2B5EF4-FFF2-40B4-BE49-F238E27FC236}">
-                <a16:creationId xmlns:a16="http://schemas.microsoft.com/office/drawing/2014/main" id="{51AE5242-B35B-1D9B-BCC3-93E7FE52D389}"/>
+                <a16:creationId xmlns:a16="http://schemas.microsoft.com/office/drawing/2014/main" id="{ED9A8893-743A-EEBE-5AFC-4E8BFE162B7B}"/>
               </a:ext>
             </a:extLst>
           </p:cNvPr>
@@ -1318,7 +1318,7 @@
           <p:cNvPr id="4" name="内容占位符 3">
             <a:extLst>
               <a:ext uri="{FF2B5EF4-FFF2-40B4-BE49-F238E27FC236}">
-                <a16:creationId xmlns:a16="http://schemas.microsoft.com/office/drawing/2014/main" id="{0CD46DE2-2416-F981-6265-0496A8AA68A1}"/>
+                <a16:creationId xmlns:a16="http://schemas.microsoft.com/office/drawing/2014/main" id="{5ADA35FD-1EE6-B8FD-96D1-9CD8AD45B447}"/>
               </a:ext>
             </a:extLst>
           </p:cNvPr>
@@ -1380,7 +1380,7 @@
           <p:cNvPr id="5" name="日期占位符 4">
             <a:extLst>
               <a:ext uri="{FF2B5EF4-FFF2-40B4-BE49-F238E27FC236}">
-                <a16:creationId xmlns:a16="http://schemas.microsoft.com/office/drawing/2014/main" id="{AEEB9AFA-14D8-6DD8-CFB0-63CAF14C5726}"/>
+                <a16:creationId xmlns:a16="http://schemas.microsoft.com/office/drawing/2014/main" id="{FE5B4052-F57C-B267-19D6-953210E500D2}"/>
               </a:ext>
             </a:extLst>
           </p:cNvPr>
@@ -1396,7 +1396,7 @@
           <a:bodyPr/>
           <a:lstStyle/>
           <a:p>
-            <a:fld id="{E30BF927-0A75-4616-90B3-18E7F87624CF}" type="datetimeFigureOut">
+            <a:fld id="{C1FD6967-4B80-4287-AC90-A3C4E70DB4BE}" type="datetimeFigureOut">
               <a:rPr lang="zh-CN" altLang="en-US" smtClean="0"/>
               <a:t>2024/3/10</a:t>
             </a:fld>
@@ -1409,7 +1409,7 @@
           <p:cNvPr id="6" name="页脚占位符 5">
             <a:extLst>
               <a:ext uri="{FF2B5EF4-FFF2-40B4-BE49-F238E27FC236}">
-                <a16:creationId xmlns:a16="http://schemas.microsoft.com/office/drawing/2014/main" id="{44726DF8-DC99-A15F-3E5F-24073D95A28C}"/>
+                <a16:creationId xmlns:a16="http://schemas.microsoft.com/office/drawing/2014/main" id="{5E6D2872-ABA5-22FC-8EF3-E23DCC1AAF2C}"/>
               </a:ext>
             </a:extLst>
           </p:cNvPr>
@@ -1434,7 +1434,7 @@
           <p:cNvPr id="7" name="灯片编号占位符 6">
             <a:extLst>
               <a:ext uri="{FF2B5EF4-FFF2-40B4-BE49-F238E27FC236}">
-                <a16:creationId xmlns:a16="http://schemas.microsoft.com/office/drawing/2014/main" id="{6BE025A7-492B-4D8C-C73D-140C65A70748}"/>
+                <a16:creationId xmlns:a16="http://schemas.microsoft.com/office/drawing/2014/main" id="{AB8A39E3-8F2D-DE7F-C5CF-DCEBBFFB1C21}"/>
               </a:ext>
             </a:extLst>
           </p:cNvPr>
@@ -1450,7 +1450,7 @@
           <a:bodyPr/>
           <a:lstStyle/>
           <a:p>
-            <a:fld id="{42AF8E6A-851C-4B1B-9362-2B6875B7F4D1}" type="slidenum">
+            <a:fld id="{E29D83EC-B68E-4A04-BD6A-82F3C6D17D5E}" type="slidenum">
               <a:rPr lang="zh-CN" altLang="en-US" smtClean="0"/>
               <a:t>‹#›</a:t>
             </a:fld>
@@ -1461,7 +1461,7 @@
     </p:spTree>
     <p:extLst>
       <p:ext uri="{BB962C8B-B14F-4D97-AF65-F5344CB8AC3E}">
-        <p14:creationId xmlns:p14="http://schemas.microsoft.com/office/powerpoint/2010/main" val="1492469964"/>
+        <p14:creationId xmlns:p14="http://schemas.microsoft.com/office/powerpoint/2010/main" val="949266719"/>
       </p:ext>
     </p:extLst>
   </p:cSld>
@@ -1493,7 +1493,7 @@
           <p:cNvPr id="2" name="标题 1">
             <a:extLst>
               <a:ext uri="{FF2B5EF4-FFF2-40B4-BE49-F238E27FC236}">
-                <a16:creationId xmlns:a16="http://schemas.microsoft.com/office/drawing/2014/main" id="{3560847F-BF54-6B73-F63E-3518D15A765C}"/>
+                <a16:creationId xmlns:a16="http://schemas.microsoft.com/office/drawing/2014/main" id="{D3EF4AC9-AA27-9645-F0C4-FD7C9410AE09}"/>
               </a:ext>
             </a:extLst>
           </p:cNvPr>
@@ -1526,7 +1526,7 @@
           <p:cNvPr id="3" name="文本占位符 2">
             <a:extLst>
               <a:ext uri="{FF2B5EF4-FFF2-40B4-BE49-F238E27FC236}">
-                <a16:creationId xmlns:a16="http://schemas.microsoft.com/office/drawing/2014/main" id="{5231D10E-DEEA-0F7C-91F1-87032CFB4108}"/>
+                <a16:creationId xmlns:a16="http://schemas.microsoft.com/office/drawing/2014/main" id="{6FCA0089-E9C5-E400-4395-09B25A298D6C}"/>
               </a:ext>
             </a:extLst>
           </p:cNvPr>
@@ -1597,7 +1597,7 @@
           <p:cNvPr id="4" name="内容占位符 3">
             <a:extLst>
               <a:ext uri="{FF2B5EF4-FFF2-40B4-BE49-F238E27FC236}">
-                <a16:creationId xmlns:a16="http://schemas.microsoft.com/office/drawing/2014/main" id="{42F1AB02-057F-FF68-DABD-B3423D550C9F}"/>
+                <a16:creationId xmlns:a16="http://schemas.microsoft.com/office/drawing/2014/main" id="{320EFB9B-A879-E803-CCE1-95E0A6D184C9}"/>
               </a:ext>
             </a:extLst>
           </p:cNvPr>
@@ -1659,7 +1659,7 @@
           <p:cNvPr id="5" name="文本占位符 4">
             <a:extLst>
               <a:ext uri="{FF2B5EF4-FFF2-40B4-BE49-F238E27FC236}">
-                <a16:creationId xmlns:a16="http://schemas.microsoft.com/office/drawing/2014/main" id="{B6899F9E-EB8A-4186-BD8A-510EC8BE3ABD}"/>
+                <a16:creationId xmlns:a16="http://schemas.microsoft.com/office/drawing/2014/main" id="{E5D34725-273D-75E8-B301-307B984FFB8D}"/>
               </a:ext>
             </a:extLst>
           </p:cNvPr>
@@ -1730,7 +1730,7 @@
           <p:cNvPr id="6" name="内容占位符 5">
             <a:extLst>
               <a:ext uri="{FF2B5EF4-FFF2-40B4-BE49-F238E27FC236}">
-                <a16:creationId xmlns:a16="http://schemas.microsoft.com/office/drawing/2014/main" id="{446547E0-BD01-995D-5720-672FBDC3837D}"/>
+                <a16:creationId xmlns:a16="http://schemas.microsoft.com/office/drawing/2014/main" id="{9FE48D1C-0BDC-5359-75E1-4A7DD5B4C66E}"/>
               </a:ext>
             </a:extLst>
           </p:cNvPr>
@@ -1792,7 +1792,7 @@
           <p:cNvPr id="7" name="日期占位符 6">
             <a:extLst>
               <a:ext uri="{FF2B5EF4-FFF2-40B4-BE49-F238E27FC236}">
-                <a16:creationId xmlns:a16="http://schemas.microsoft.com/office/drawing/2014/main" id="{3C39D73E-D1FF-6037-5A7B-2882D286137C}"/>
+                <a16:creationId xmlns:a16="http://schemas.microsoft.com/office/drawing/2014/main" id="{DC98BFB9-CF0F-BE57-98B0-7A88575CB13F}"/>
               </a:ext>
             </a:extLst>
           </p:cNvPr>
@@ -1808,7 +1808,7 @@
           <a:bodyPr/>
           <a:lstStyle/>
           <a:p>
-            <a:fld id="{E30BF927-0A75-4616-90B3-18E7F87624CF}" type="datetimeFigureOut">
+            <a:fld id="{C1FD6967-4B80-4287-AC90-A3C4E70DB4BE}" type="datetimeFigureOut">
               <a:rPr lang="zh-CN" altLang="en-US" smtClean="0"/>
               <a:t>2024/3/10</a:t>
             </a:fld>
@@ -1821,7 +1821,7 @@
           <p:cNvPr id="8" name="页脚占位符 7">
             <a:extLst>
               <a:ext uri="{FF2B5EF4-FFF2-40B4-BE49-F238E27FC236}">
-                <a16:creationId xmlns:a16="http://schemas.microsoft.com/office/drawing/2014/main" id="{99346A79-FF90-36C6-3144-6E8BB797D46C}"/>
+                <a16:creationId xmlns:a16="http://schemas.microsoft.com/office/drawing/2014/main" id="{155A227D-A921-E21E-5763-5AF95F6E5D70}"/>
               </a:ext>
             </a:extLst>
           </p:cNvPr>
@@ -1846,7 +1846,7 @@
           <p:cNvPr id="9" name="灯片编号占位符 8">
             <a:extLst>
               <a:ext uri="{FF2B5EF4-FFF2-40B4-BE49-F238E27FC236}">
-                <a16:creationId xmlns:a16="http://schemas.microsoft.com/office/drawing/2014/main" id="{8D144438-C029-DC9B-B67B-0153B00B7A01}"/>
+                <a16:creationId xmlns:a16="http://schemas.microsoft.com/office/drawing/2014/main" id="{4BF9EDD4-D4FC-CC1F-5FD5-7D2D978B60DD}"/>
               </a:ext>
             </a:extLst>
           </p:cNvPr>
@@ -1862,7 +1862,7 @@
           <a:bodyPr/>
           <a:lstStyle/>
           <a:p>
-            <a:fld id="{42AF8E6A-851C-4B1B-9362-2B6875B7F4D1}" type="slidenum">
+            <a:fld id="{E29D83EC-B68E-4A04-BD6A-82F3C6D17D5E}" type="slidenum">
               <a:rPr lang="zh-CN" altLang="en-US" smtClean="0"/>
               <a:t>‹#›</a:t>
             </a:fld>
@@ -1873,7 +1873,7 @@
     </p:spTree>
     <p:extLst>
       <p:ext uri="{BB962C8B-B14F-4D97-AF65-F5344CB8AC3E}">
-        <p14:creationId xmlns:p14="http://schemas.microsoft.com/office/powerpoint/2010/main" val="3082275301"/>
+        <p14:creationId xmlns:p14="http://schemas.microsoft.com/office/powerpoint/2010/main" val="1004413896"/>
       </p:ext>
     </p:extLst>
   </p:cSld>
@@ -1905,7 +1905,7 @@
           <p:cNvPr id="2" name="标题 1">
             <a:extLst>
               <a:ext uri="{FF2B5EF4-FFF2-40B4-BE49-F238E27FC236}">
-                <a16:creationId xmlns:a16="http://schemas.microsoft.com/office/drawing/2014/main" id="{121B900E-DEA1-B8C9-B709-A399FAE45FD3}"/>
+                <a16:creationId xmlns:a16="http://schemas.microsoft.com/office/drawing/2014/main" id="{3482C14F-6447-8B6B-0EEF-7A1E334A5DDC}"/>
               </a:ext>
             </a:extLst>
           </p:cNvPr>
@@ -1933,7 +1933,7 @@
           <p:cNvPr id="3" name="日期占位符 2">
             <a:extLst>
               <a:ext uri="{FF2B5EF4-FFF2-40B4-BE49-F238E27FC236}">
-                <a16:creationId xmlns:a16="http://schemas.microsoft.com/office/drawing/2014/main" id="{861BB745-B21F-FECF-DEDD-31E1D733CE0E}"/>
+                <a16:creationId xmlns:a16="http://schemas.microsoft.com/office/drawing/2014/main" id="{63D13077-22F3-0B58-522E-1BCC3BCA1297}"/>
               </a:ext>
             </a:extLst>
           </p:cNvPr>
@@ -1949,7 +1949,7 @@
           <a:bodyPr/>
           <a:lstStyle/>
           <a:p>
-            <a:fld id="{E30BF927-0A75-4616-90B3-18E7F87624CF}" type="datetimeFigureOut">
+            <a:fld id="{C1FD6967-4B80-4287-AC90-A3C4E70DB4BE}" type="datetimeFigureOut">
               <a:rPr lang="zh-CN" altLang="en-US" smtClean="0"/>
               <a:t>2024/3/10</a:t>
             </a:fld>
@@ -1962,7 +1962,7 @@
           <p:cNvPr id="4" name="页脚占位符 3">
             <a:extLst>
               <a:ext uri="{FF2B5EF4-FFF2-40B4-BE49-F238E27FC236}">
-                <a16:creationId xmlns:a16="http://schemas.microsoft.com/office/drawing/2014/main" id="{A0663CF8-7581-4A89-F4D4-E49C50434ED1}"/>
+                <a16:creationId xmlns:a16="http://schemas.microsoft.com/office/drawing/2014/main" id="{B8600DEF-8B6C-8905-520D-F5427E8F7ECE}"/>
               </a:ext>
             </a:extLst>
           </p:cNvPr>
@@ -1987,7 +1987,7 @@
           <p:cNvPr id="5" name="灯片编号占位符 4">
             <a:extLst>
               <a:ext uri="{FF2B5EF4-FFF2-40B4-BE49-F238E27FC236}">
-                <a16:creationId xmlns:a16="http://schemas.microsoft.com/office/drawing/2014/main" id="{C67316A6-7B3B-EE09-29C8-AE4A547335B5}"/>
+                <a16:creationId xmlns:a16="http://schemas.microsoft.com/office/drawing/2014/main" id="{9CB7AF70-F25B-8093-AC35-AC88C3C00EFE}"/>
               </a:ext>
             </a:extLst>
           </p:cNvPr>
@@ -2003,7 +2003,7 @@
           <a:bodyPr/>
           <a:lstStyle/>
           <a:p>
-            <a:fld id="{42AF8E6A-851C-4B1B-9362-2B6875B7F4D1}" type="slidenum">
+            <a:fld id="{E29D83EC-B68E-4A04-BD6A-82F3C6D17D5E}" type="slidenum">
               <a:rPr lang="zh-CN" altLang="en-US" smtClean="0"/>
               <a:t>‹#›</a:t>
             </a:fld>
@@ -2014,7 +2014,7 @@
     </p:spTree>
     <p:extLst>
       <p:ext uri="{BB962C8B-B14F-4D97-AF65-F5344CB8AC3E}">
-        <p14:creationId xmlns:p14="http://schemas.microsoft.com/office/powerpoint/2010/main" val="2433640524"/>
+        <p14:creationId xmlns:p14="http://schemas.microsoft.com/office/powerpoint/2010/main" val="977449779"/>
       </p:ext>
     </p:extLst>
   </p:cSld>
@@ -2046,7 +2046,7 @@
           <p:cNvPr id="2" name="日期占位符 1">
             <a:extLst>
               <a:ext uri="{FF2B5EF4-FFF2-40B4-BE49-F238E27FC236}">
-                <a16:creationId xmlns:a16="http://schemas.microsoft.com/office/drawing/2014/main" id="{58F91131-5977-1115-B79F-B061D589D514}"/>
+                <a16:creationId xmlns:a16="http://schemas.microsoft.com/office/drawing/2014/main" id="{6D8105D3-58D8-8DFC-9570-CF97EEA6E3A3}"/>
               </a:ext>
             </a:extLst>
           </p:cNvPr>
@@ -2062,7 +2062,7 @@
           <a:bodyPr/>
           <a:lstStyle/>
           <a:p>
-            <a:fld id="{E30BF927-0A75-4616-90B3-18E7F87624CF}" type="datetimeFigureOut">
+            <a:fld id="{C1FD6967-4B80-4287-AC90-A3C4E70DB4BE}" type="datetimeFigureOut">
               <a:rPr lang="zh-CN" altLang="en-US" smtClean="0"/>
               <a:t>2024/3/10</a:t>
             </a:fld>
@@ -2075,7 +2075,7 @@
           <p:cNvPr id="3" name="页脚占位符 2">
             <a:extLst>
               <a:ext uri="{FF2B5EF4-FFF2-40B4-BE49-F238E27FC236}">
-                <a16:creationId xmlns:a16="http://schemas.microsoft.com/office/drawing/2014/main" id="{307A0EC1-5F45-51D5-1D57-46F112FAE286}"/>
+                <a16:creationId xmlns:a16="http://schemas.microsoft.com/office/drawing/2014/main" id="{1BBAE822-09F3-E558-5B2F-A48B2D686028}"/>
               </a:ext>
             </a:extLst>
           </p:cNvPr>
@@ -2100,7 +2100,7 @@
           <p:cNvPr id="4" name="灯片编号占位符 3">
             <a:extLst>
               <a:ext uri="{FF2B5EF4-FFF2-40B4-BE49-F238E27FC236}">
-                <a16:creationId xmlns:a16="http://schemas.microsoft.com/office/drawing/2014/main" id="{ADD58370-25AF-4222-7A8C-EB92BD7DE27A}"/>
+                <a16:creationId xmlns:a16="http://schemas.microsoft.com/office/drawing/2014/main" id="{C00CF6F1-FC82-3576-51E8-EC82EAED7857}"/>
               </a:ext>
             </a:extLst>
           </p:cNvPr>
@@ -2116,7 +2116,7 @@
           <a:bodyPr/>
           <a:lstStyle/>
           <a:p>
-            <a:fld id="{42AF8E6A-851C-4B1B-9362-2B6875B7F4D1}" type="slidenum">
+            <a:fld id="{E29D83EC-B68E-4A04-BD6A-82F3C6D17D5E}" type="slidenum">
               <a:rPr lang="zh-CN" altLang="en-US" smtClean="0"/>
               <a:t>‹#›</a:t>
             </a:fld>
@@ -2127,7 +2127,7 @@
     </p:spTree>
     <p:extLst>
       <p:ext uri="{BB962C8B-B14F-4D97-AF65-F5344CB8AC3E}">
-        <p14:creationId xmlns:p14="http://schemas.microsoft.com/office/powerpoint/2010/main" val="4011781290"/>
+        <p14:creationId xmlns:p14="http://schemas.microsoft.com/office/powerpoint/2010/main" val="2777377684"/>
       </p:ext>
     </p:extLst>
   </p:cSld>
@@ -2159,7 +2159,7 @@
           <p:cNvPr id="2" name="标题 1">
             <a:extLst>
               <a:ext uri="{FF2B5EF4-FFF2-40B4-BE49-F238E27FC236}">
-                <a16:creationId xmlns:a16="http://schemas.microsoft.com/office/drawing/2014/main" id="{5174BEDC-DCF0-6662-8F8D-73FABAABEE76}"/>
+                <a16:creationId xmlns:a16="http://schemas.microsoft.com/office/drawing/2014/main" id="{07B4DB2E-F3FA-19D2-025F-4A8115C624EC}"/>
               </a:ext>
             </a:extLst>
           </p:cNvPr>
@@ -2196,7 +2196,7 @@
           <p:cNvPr id="3" name="内容占位符 2">
             <a:extLst>
               <a:ext uri="{FF2B5EF4-FFF2-40B4-BE49-F238E27FC236}">
-                <a16:creationId xmlns:a16="http://schemas.microsoft.com/office/drawing/2014/main" id="{2709AC36-12AA-5492-22ED-6581834170F4}"/>
+                <a16:creationId xmlns:a16="http://schemas.microsoft.com/office/drawing/2014/main" id="{680C02C6-D853-BB5D-3610-61316F4DA5BC}"/>
               </a:ext>
             </a:extLst>
           </p:cNvPr>
@@ -2286,7 +2286,7 @@
           <p:cNvPr id="4" name="文本占位符 3">
             <a:extLst>
               <a:ext uri="{FF2B5EF4-FFF2-40B4-BE49-F238E27FC236}">
-                <a16:creationId xmlns:a16="http://schemas.microsoft.com/office/drawing/2014/main" id="{A394D088-796A-06E8-4ED6-C5427E44A172}"/>
+                <a16:creationId xmlns:a16="http://schemas.microsoft.com/office/drawing/2014/main" id="{94DDE4F1-9BC0-8B23-3A64-263B322AC11E}"/>
               </a:ext>
             </a:extLst>
           </p:cNvPr>
@@ -2357,7 +2357,7 @@
           <p:cNvPr id="5" name="日期占位符 4">
             <a:extLst>
               <a:ext uri="{FF2B5EF4-FFF2-40B4-BE49-F238E27FC236}">
-                <a16:creationId xmlns:a16="http://schemas.microsoft.com/office/drawing/2014/main" id="{7EDC946A-1949-3434-8E20-C94E76966AE5}"/>
+                <a16:creationId xmlns:a16="http://schemas.microsoft.com/office/drawing/2014/main" id="{2C51B788-D0D2-3223-E609-00C36349C9DB}"/>
               </a:ext>
             </a:extLst>
           </p:cNvPr>
@@ -2373,7 +2373,7 @@
           <a:bodyPr/>
           <a:lstStyle/>
           <a:p>
-            <a:fld id="{E30BF927-0A75-4616-90B3-18E7F87624CF}" type="datetimeFigureOut">
+            <a:fld id="{C1FD6967-4B80-4287-AC90-A3C4E70DB4BE}" type="datetimeFigureOut">
               <a:rPr lang="zh-CN" altLang="en-US" smtClean="0"/>
               <a:t>2024/3/10</a:t>
             </a:fld>
@@ -2386,7 +2386,7 @@
           <p:cNvPr id="6" name="页脚占位符 5">
             <a:extLst>
               <a:ext uri="{FF2B5EF4-FFF2-40B4-BE49-F238E27FC236}">
-                <a16:creationId xmlns:a16="http://schemas.microsoft.com/office/drawing/2014/main" id="{F13B15F3-5657-80DC-FF12-46270B884BD4}"/>
+                <a16:creationId xmlns:a16="http://schemas.microsoft.com/office/drawing/2014/main" id="{65CF0D20-BFBD-A75E-6AE1-00D8484AF3DF}"/>
               </a:ext>
             </a:extLst>
           </p:cNvPr>
@@ -2411,7 +2411,7 @@
           <p:cNvPr id="7" name="灯片编号占位符 6">
             <a:extLst>
               <a:ext uri="{FF2B5EF4-FFF2-40B4-BE49-F238E27FC236}">
-                <a16:creationId xmlns:a16="http://schemas.microsoft.com/office/drawing/2014/main" id="{9080A8AD-1B1C-C2EB-3E5D-A297B9B40BBD}"/>
+                <a16:creationId xmlns:a16="http://schemas.microsoft.com/office/drawing/2014/main" id="{F4173D31-D91C-E8D7-18B8-B7971C0F8115}"/>
               </a:ext>
             </a:extLst>
           </p:cNvPr>
@@ -2427,7 +2427,7 @@
           <a:bodyPr/>
           <a:lstStyle/>
           <a:p>
-            <a:fld id="{42AF8E6A-851C-4B1B-9362-2B6875B7F4D1}" type="slidenum">
+            <a:fld id="{E29D83EC-B68E-4A04-BD6A-82F3C6D17D5E}" type="slidenum">
               <a:rPr lang="zh-CN" altLang="en-US" smtClean="0"/>
               <a:t>‹#›</a:t>
             </a:fld>
@@ -2438,7 +2438,7 @@
     </p:spTree>
     <p:extLst>
       <p:ext uri="{BB962C8B-B14F-4D97-AF65-F5344CB8AC3E}">
-        <p14:creationId xmlns:p14="http://schemas.microsoft.com/office/powerpoint/2010/main" val="1752528294"/>
+        <p14:creationId xmlns:p14="http://schemas.microsoft.com/office/powerpoint/2010/main" val="4049637339"/>
       </p:ext>
     </p:extLst>
   </p:cSld>
@@ -2470,7 +2470,7 @@
           <p:cNvPr id="2" name="标题 1">
             <a:extLst>
               <a:ext uri="{FF2B5EF4-FFF2-40B4-BE49-F238E27FC236}">
-                <a16:creationId xmlns:a16="http://schemas.microsoft.com/office/drawing/2014/main" id="{1E5E6557-3D28-266C-8FFA-827652C87823}"/>
+                <a16:creationId xmlns:a16="http://schemas.microsoft.com/office/drawing/2014/main" id="{D24F7569-6930-1EAD-4CE2-07DE76FE72F9}"/>
               </a:ext>
             </a:extLst>
           </p:cNvPr>
@@ -2507,7 +2507,7 @@
           <p:cNvPr id="3" name="图片占位符 2">
             <a:extLst>
               <a:ext uri="{FF2B5EF4-FFF2-40B4-BE49-F238E27FC236}">
-                <a16:creationId xmlns:a16="http://schemas.microsoft.com/office/drawing/2014/main" id="{9B1DE483-7543-EE1D-6318-2D03435B9997}"/>
+                <a16:creationId xmlns:a16="http://schemas.microsoft.com/office/drawing/2014/main" id="{DB69C6F3-42D9-BEF2-EB06-13998B7206E1}"/>
               </a:ext>
             </a:extLst>
           </p:cNvPr>
@@ -2574,7 +2574,7 @@
           <p:cNvPr id="4" name="文本占位符 3">
             <a:extLst>
               <a:ext uri="{FF2B5EF4-FFF2-40B4-BE49-F238E27FC236}">
-                <a16:creationId xmlns:a16="http://schemas.microsoft.com/office/drawing/2014/main" id="{81B771A4-12EF-71E5-911B-73C4B79E574C}"/>
+                <a16:creationId xmlns:a16="http://schemas.microsoft.com/office/drawing/2014/main" id="{7919E7DC-FA0D-26FF-B127-030F234648C9}"/>
               </a:ext>
             </a:extLst>
           </p:cNvPr>
@@ -2645,7 +2645,7 @@
           <p:cNvPr id="5" name="日期占位符 4">
             <a:extLst>
               <a:ext uri="{FF2B5EF4-FFF2-40B4-BE49-F238E27FC236}">
-                <a16:creationId xmlns:a16="http://schemas.microsoft.com/office/drawing/2014/main" id="{2525CE25-C16C-89D3-5A82-A5992EA5E6F3}"/>
+                <a16:creationId xmlns:a16="http://schemas.microsoft.com/office/drawing/2014/main" id="{6C5117A3-8070-8E7B-382B-E9CAFA0FE365}"/>
               </a:ext>
             </a:extLst>
           </p:cNvPr>
@@ -2661,7 +2661,7 @@
           <a:bodyPr/>
           <a:lstStyle/>
           <a:p>
-            <a:fld id="{E30BF927-0A75-4616-90B3-18E7F87624CF}" type="datetimeFigureOut">
+            <a:fld id="{C1FD6967-4B80-4287-AC90-A3C4E70DB4BE}" type="datetimeFigureOut">
               <a:rPr lang="zh-CN" altLang="en-US" smtClean="0"/>
               <a:t>2024/3/10</a:t>
             </a:fld>
@@ -2674,7 +2674,7 @@
           <p:cNvPr id="6" name="页脚占位符 5">
             <a:extLst>
               <a:ext uri="{FF2B5EF4-FFF2-40B4-BE49-F238E27FC236}">
-                <a16:creationId xmlns:a16="http://schemas.microsoft.com/office/drawing/2014/main" id="{D4F4ADD9-C5DD-2E51-6839-A6174DF1623D}"/>
+                <a16:creationId xmlns:a16="http://schemas.microsoft.com/office/drawing/2014/main" id="{9C999C34-5A21-F5D0-CEA5-684CD95F455E}"/>
               </a:ext>
             </a:extLst>
           </p:cNvPr>
@@ -2699,7 +2699,7 @@
           <p:cNvPr id="7" name="灯片编号占位符 6">
             <a:extLst>
               <a:ext uri="{FF2B5EF4-FFF2-40B4-BE49-F238E27FC236}">
-                <a16:creationId xmlns:a16="http://schemas.microsoft.com/office/drawing/2014/main" id="{EF3541A3-BA3F-E168-25DB-749ABAD01190}"/>
+                <a16:creationId xmlns:a16="http://schemas.microsoft.com/office/drawing/2014/main" id="{4A47E749-A508-D13D-BD6D-D956E47328EE}"/>
               </a:ext>
             </a:extLst>
           </p:cNvPr>
@@ -2715,7 +2715,7 @@
           <a:bodyPr/>
           <a:lstStyle/>
           <a:p>
-            <a:fld id="{42AF8E6A-851C-4B1B-9362-2B6875B7F4D1}" type="slidenum">
+            <a:fld id="{E29D83EC-B68E-4A04-BD6A-82F3C6D17D5E}" type="slidenum">
               <a:rPr lang="zh-CN" altLang="en-US" smtClean="0"/>
               <a:t>‹#›</a:t>
             </a:fld>
@@ -2726,7 +2726,7 @@
     </p:spTree>
     <p:extLst>
       <p:ext uri="{BB962C8B-B14F-4D97-AF65-F5344CB8AC3E}">
-        <p14:creationId xmlns:p14="http://schemas.microsoft.com/office/powerpoint/2010/main" val="2916831049"/>
+        <p14:creationId xmlns:p14="http://schemas.microsoft.com/office/powerpoint/2010/main" val="2399913385"/>
       </p:ext>
     </p:extLst>
   </p:cSld>
@@ -2763,7 +2763,7 @@
           <p:cNvPr id="2" name="标题占位符 1">
             <a:extLst>
               <a:ext uri="{FF2B5EF4-FFF2-40B4-BE49-F238E27FC236}">
-                <a16:creationId xmlns:a16="http://schemas.microsoft.com/office/drawing/2014/main" id="{42886245-C8EA-4889-4F8D-DFE8C2CFC6A5}"/>
+                <a16:creationId xmlns:a16="http://schemas.microsoft.com/office/drawing/2014/main" id="{D69897DA-E350-93A7-FB29-E9737E50F9A1}"/>
               </a:ext>
             </a:extLst>
           </p:cNvPr>
@@ -2801,7 +2801,7 @@
           <p:cNvPr id="3" name="文本占位符 2">
             <a:extLst>
               <a:ext uri="{FF2B5EF4-FFF2-40B4-BE49-F238E27FC236}">
-                <a16:creationId xmlns:a16="http://schemas.microsoft.com/office/drawing/2014/main" id="{38A38487-8612-7D22-D2AE-E6DDB7AB37C2}"/>
+                <a16:creationId xmlns:a16="http://schemas.microsoft.com/office/drawing/2014/main" id="{33D319F2-F73F-5D12-15D7-08F49786BF9E}"/>
               </a:ext>
             </a:extLst>
           </p:cNvPr>
@@ -2868,7 +2868,7 @@
           <p:cNvPr id="4" name="日期占位符 3">
             <a:extLst>
               <a:ext uri="{FF2B5EF4-FFF2-40B4-BE49-F238E27FC236}">
-                <a16:creationId xmlns:a16="http://schemas.microsoft.com/office/drawing/2014/main" id="{B0166A5E-FB3B-298B-C3E3-89E7F1A7CB05}"/>
+                <a16:creationId xmlns:a16="http://schemas.microsoft.com/office/drawing/2014/main" id="{73761904-8FED-98C0-5570-F177AB141331}"/>
               </a:ext>
             </a:extLst>
           </p:cNvPr>
@@ -2902,7 +2902,7 @@
             </a:lvl1pPr>
           </a:lstStyle>
           <a:p>
-            <a:fld id="{E30BF927-0A75-4616-90B3-18E7F87624CF}" type="datetimeFigureOut">
+            <a:fld id="{C1FD6967-4B80-4287-AC90-A3C4E70DB4BE}" type="datetimeFigureOut">
               <a:rPr lang="zh-CN" altLang="en-US" smtClean="0"/>
               <a:t>2024/3/10</a:t>
             </a:fld>
@@ -2915,7 +2915,7 @@
           <p:cNvPr id="5" name="页脚占位符 4">
             <a:extLst>
               <a:ext uri="{FF2B5EF4-FFF2-40B4-BE49-F238E27FC236}">
-                <a16:creationId xmlns:a16="http://schemas.microsoft.com/office/drawing/2014/main" id="{3C31ED0B-AC88-E1B7-0EBD-63253F31D7C9}"/>
+                <a16:creationId xmlns:a16="http://schemas.microsoft.com/office/drawing/2014/main" id="{6F813C5A-7F08-FC24-C9B5-CB40005A281E}"/>
               </a:ext>
             </a:extLst>
           </p:cNvPr>
@@ -2958,7 +2958,7 @@
           <p:cNvPr id="6" name="灯片编号占位符 5">
             <a:extLst>
               <a:ext uri="{FF2B5EF4-FFF2-40B4-BE49-F238E27FC236}">
-                <a16:creationId xmlns:a16="http://schemas.microsoft.com/office/drawing/2014/main" id="{B7F3BC7D-AEC3-A160-3B64-1F9D498544A7}"/>
+                <a16:creationId xmlns:a16="http://schemas.microsoft.com/office/drawing/2014/main" id="{C1F939CA-99B1-C402-B969-B5F154E2D07B}"/>
               </a:ext>
             </a:extLst>
           </p:cNvPr>
@@ -2992,7 +2992,7 @@
             </a:lvl1pPr>
           </a:lstStyle>
           <a:p>
-            <a:fld id="{42AF8E6A-851C-4B1B-9362-2B6875B7F4D1}" type="slidenum">
+            <a:fld id="{E29D83EC-B68E-4A04-BD6A-82F3C6D17D5E}" type="slidenum">
               <a:rPr lang="zh-CN" altLang="en-US" smtClean="0"/>
               <a:t>‹#›</a:t>
             </a:fld>
@@ -3003,7 +3003,7 @@
     </p:spTree>
     <p:extLst>
       <p:ext uri="{BB962C8B-B14F-4D97-AF65-F5344CB8AC3E}">
-        <p14:creationId xmlns:p14="http://schemas.microsoft.com/office/powerpoint/2010/main" val="2532975791"/>
+        <p14:creationId xmlns:p14="http://schemas.microsoft.com/office/powerpoint/2010/main" val="634773052"/>
       </p:ext>
     </p:extLst>
   </p:cSld>
@@ -3323,7 +3323,7 @@
       </p:grpSpPr>
       <p:pic>
         <p:nvPicPr>
-          <p:cNvPr id="475138" name="Picture 2" descr="463"/>
+          <p:cNvPr id="476162" name="Picture 2" descr="464"/>
           <p:cNvPicPr>
             <a:picLocks noChangeAspect="1" noChangeArrowheads="1"/>
           </p:cNvPicPr>
@@ -3344,8 +3344,8 @@
         </p:blipFill>
         <p:spPr bwMode="auto">
           <a:xfrm>
-            <a:off x="1524000" y="1"/>
-            <a:ext cx="9144000" cy="5516563"/>
+            <a:off x="1524000" y="0"/>
+            <a:ext cx="9144000" cy="6858000"/>
           </a:xfrm>
           <a:prstGeom prst="rect">
             <a:avLst/>
